--- a/Документация/Презентация.pptx
+++ b/Документация/Презентация.pptx
@@ -5,10 +5,10 @@
     <p:sldMasterId id="2147483792" r:id="rId1"/>
   </p:sldMasterIdLst>
   <p:notesMasterIdLst>
-    <p:notesMasterId r:id="rId9"/>
+    <p:notesMasterId r:id="rId10"/>
   </p:notesMasterIdLst>
   <p:handoutMasterIdLst>
-    <p:handoutMasterId r:id="rId10"/>
+    <p:handoutMasterId r:id="rId11"/>
   </p:handoutMasterIdLst>
   <p:sldIdLst>
     <p:sldId id="256" r:id="rId2"/>
@@ -16,8 +16,9 @@
     <p:sldId id="263" r:id="rId4"/>
     <p:sldId id="264" r:id="rId5"/>
     <p:sldId id="265" r:id="rId6"/>
-    <p:sldId id="267" r:id="rId7"/>
-    <p:sldId id="258" r:id="rId8"/>
+    <p:sldId id="268" r:id="rId7"/>
+    <p:sldId id="267" r:id="rId8"/>
+    <p:sldId id="258" r:id="rId9"/>
   </p:sldIdLst>
   <p:sldSz cx="12192000" cy="6858000"/>
   <p:notesSz cx="6858000" cy="9144000"/>
@@ -5448,6 +5449,176 @@
           <a:p>
             <a:r>
               <a:rPr lang="ru-RU" dirty="0"/>
+              <a:t>Проблемы:</a:t>
+            </a:r>
+          </a:p>
+        </p:txBody>
+      </p:sp>
+      <p:sp>
+        <p:nvSpPr>
+          <p:cNvPr id="4" name="Номер слайда 3">
+            <a:extLst>
+              <a:ext uri="{FF2B5EF4-FFF2-40B4-BE49-F238E27FC236}">
+                <a16:creationId xmlns:a16="http://schemas.microsoft.com/office/drawing/2014/main" id="{3800A67A-64A6-4AA9-ABD6-07B99125A6C0}"/>
+              </a:ext>
+            </a:extLst>
+          </p:cNvPr>
+          <p:cNvSpPr>
+            <a:spLocks noGrp="1"/>
+          </p:cNvSpPr>
+          <p:nvPr>
+            <p:ph type="sldNum" sz="quarter" idx="12"/>
+          </p:nvPr>
+        </p:nvSpPr>
+        <p:spPr/>
+        <p:txBody>
+          <a:bodyPr/>
+          <a:lstStyle/>
+          <a:p>
+            <a:fld id="{E545F541-BB7D-43B4-A917-0AAD277C507D}" type="slidenum">
+              <a:rPr lang="ru-RU" smtClean="0"/>
+              <a:t>6</a:t>
+            </a:fld>
+            <a:endParaRPr lang="ru-RU"/>
+          </a:p>
+        </p:txBody>
+      </p:sp>
+      <p:pic>
+        <p:nvPicPr>
+          <p:cNvPr id="9" name="Объект 8">
+            <a:extLst>
+              <a:ext uri="{FF2B5EF4-FFF2-40B4-BE49-F238E27FC236}">
+                <a16:creationId xmlns:a16="http://schemas.microsoft.com/office/drawing/2014/main" id="{7CB4727A-5958-82BC-9A90-DDCA40E45997}"/>
+              </a:ext>
+            </a:extLst>
+          </p:cNvPr>
+          <p:cNvPicPr>
+            <a:picLocks noGrp="1" noChangeAspect="1"/>
+          </p:cNvPicPr>
+          <p:nvPr>
+            <p:ph idx="1"/>
+          </p:nvPr>
+        </p:nvPicPr>
+        <p:blipFill>
+          <a:blip r:embed="rId2">
+            <a:extLst>
+              <a:ext uri="{28A0092B-C50C-407E-A947-70E740481C1C}">
+                <a14:useLocalDpi xmlns:a14="http://schemas.microsoft.com/office/drawing/2010/main" val="0"/>
+              </a:ext>
+            </a:extLst>
+          </a:blip>
+          <a:stretch>
+            <a:fillRect/>
+          </a:stretch>
+        </p:blipFill>
+        <p:spPr>
+          <a:xfrm>
+            <a:off x="1684810" y="3132306"/>
+            <a:ext cx="6485877" cy="2534561"/>
+          </a:xfrm>
+        </p:spPr>
+      </p:pic>
+      <p:pic>
+        <p:nvPicPr>
+          <p:cNvPr id="13" name="Рисунок 12">
+            <a:extLst>
+              <a:ext uri="{FF2B5EF4-FFF2-40B4-BE49-F238E27FC236}">
+                <a16:creationId xmlns:a16="http://schemas.microsoft.com/office/drawing/2014/main" id="{515B8445-7FA6-FE7D-1EF1-7B9ABEF7C0E7}"/>
+              </a:ext>
+            </a:extLst>
+          </p:cNvPr>
+          <p:cNvPicPr>
+            <a:picLocks noChangeAspect="1"/>
+          </p:cNvPicPr>
+          <p:nvPr/>
+        </p:nvPicPr>
+        <p:blipFill>
+          <a:blip r:embed="rId3">
+            <a:extLst>
+              <a:ext uri="{28A0092B-C50C-407E-A947-70E740481C1C}">
+                <a14:useLocalDpi xmlns:a14="http://schemas.microsoft.com/office/drawing/2010/main" val="0"/>
+              </a:ext>
+            </a:extLst>
+          </a:blip>
+          <a:stretch>
+            <a:fillRect/>
+          </a:stretch>
+        </p:blipFill>
+        <p:spPr>
+          <a:xfrm>
+            <a:off x="5862217" y="-952013"/>
+            <a:ext cx="5830430" cy="3886953"/>
+          </a:xfrm>
+          <a:prstGeom prst="rect">
+            <a:avLst/>
+          </a:prstGeom>
+        </p:spPr>
+      </p:pic>
+    </p:spTree>
+    <p:extLst>
+      <p:ext uri="{BB962C8B-B14F-4D97-AF65-F5344CB8AC3E}">
+        <p14:creationId xmlns:p14="http://schemas.microsoft.com/office/powerpoint/2010/main" val="2240600629"/>
+      </p:ext>
+    </p:extLst>
+  </p:cSld>
+  <p:clrMapOvr>
+    <a:masterClrMapping/>
+  </p:clrMapOvr>
+  <mc:AlternateContent xmlns:mc="http://schemas.openxmlformats.org/markup-compatibility/2006">
+    <mc:Choice xmlns:p14="http://schemas.microsoft.com/office/powerpoint/2010/main" Requires="p14">
+      <p:transition p14:dur="250">
+        <p14:flythrough/>
+      </p:transition>
+    </mc:Choice>
+    <mc:Fallback>
+      <p:transition>
+        <p:fade/>
+      </p:transition>
+    </mc:Fallback>
+  </mc:AlternateContent>
+</p:sld>
+</file>
+
+<file path=ppt/slides/slide7.xml><?xml version="1.0" encoding="utf-8"?>
+<p:sld xmlns:a="http://schemas.openxmlformats.org/drawingml/2006/main" xmlns:r="http://schemas.openxmlformats.org/officeDocument/2006/relationships" xmlns:p="http://schemas.openxmlformats.org/presentationml/2006/main">
+  <p:cSld>
+    <p:spTree>
+      <p:nvGrpSpPr>
+        <p:cNvPr id="1" name=""/>
+        <p:cNvGrpSpPr/>
+        <p:nvPr/>
+      </p:nvGrpSpPr>
+      <p:grpSpPr>
+        <a:xfrm>
+          <a:off x="0" y="0"/>
+          <a:ext cx="0" cy="0"/>
+          <a:chOff x="0" y="0"/>
+          <a:chExt cx="0" cy="0"/>
+        </a:xfrm>
+      </p:grpSpPr>
+      <p:sp>
+        <p:nvSpPr>
+          <p:cNvPr id="2" name="Заголовок 1">
+            <a:extLst>
+              <a:ext uri="{FF2B5EF4-FFF2-40B4-BE49-F238E27FC236}">
+                <a16:creationId xmlns:a16="http://schemas.microsoft.com/office/drawing/2014/main" id="{62CDE75F-6BFB-420C-BE15-1EF1D7000D2F}"/>
+              </a:ext>
+            </a:extLst>
+          </p:cNvPr>
+          <p:cNvSpPr>
+            <a:spLocks noGrp="1"/>
+          </p:cNvSpPr>
+          <p:nvPr>
+            <p:ph type="title"/>
+          </p:nvPr>
+        </p:nvSpPr>
+        <p:spPr/>
+        <p:txBody>
+          <a:bodyPr/>
+          <a:lstStyle/>
+          <a:p>
+            <a:r>
+              <a:rPr lang="ru-RU" dirty="0"/>
               <a:t>Результат работы</a:t>
             </a:r>
           </a:p>
@@ -5511,7 +5682,7 @@
           <a:p>
             <a:fld id="{E545F541-BB7D-43B4-A917-0AAD277C507D}" type="slidenum">
               <a:rPr lang="ru-RU" smtClean="0"/>
-              <a:t>6</a:t>
+              <a:t>7</a:t>
             </a:fld>
             <a:endParaRPr lang="ru-RU"/>
           </a:p>
@@ -5542,7 +5713,7 @@
 </p:sld>
 </file>
 
-<file path=ppt/slides/slide7.xml><?xml version="1.0" encoding="utf-8"?>
+<file path=ppt/slides/slide8.xml><?xml version="1.0" encoding="utf-8"?>
 <p:sld xmlns:a="http://schemas.openxmlformats.org/drawingml/2006/main" xmlns:r="http://schemas.openxmlformats.org/officeDocument/2006/relationships" xmlns:p="http://schemas.openxmlformats.org/presentationml/2006/main">
   <p:cSld>
     <p:spTree>
